--- a/lecture/lec10_mem.pptx
+++ b/lecture/lec10_mem.pptx
@@ -279,7 +279,7 @@
           <a:p>
             <a:fld id="{050F0499-AE52-4672-879B-3107B2FC2A9F}" type="datetimeFigureOut">
               <a:rPr lang="ko-KR" altLang="en-US" smtClean="0"/>
-              <a:t>2023. 2. 28.</a:t>
+              <a:t>2023. 3. 1.</a:t>
             </a:fld>
             <a:endParaRPr lang="ko-KR" altLang="en-US"/>
           </a:p>
@@ -6362,7 +6362,7 @@
                 <a:ea typeface="Helvetica" charset="0"/>
                 <a:cs typeface="Helvetica" charset="0"/>
               </a:rPr>
-              <a:t>There lacks of heap space. </a:t>
+              <a:t>There lacks heap space </a:t>
             </a:r>
             <a:r>
               <a:rPr lang="en-US" altLang="ko-KR" sz="1800" dirty="0">
@@ -6371,7 +6371,7 @@
                 <a:cs typeface="Helvetica" charset="0"/>
                 <a:sym typeface="Wingdings"/>
               </a:rPr>
-              <a:t> Ask OS to expand heap.</a:t>
+              <a:t> Ask OS to expand heap</a:t>
             </a:r>
           </a:p>
           <a:p>
@@ -6402,7 +6402,7 @@
           </a:p>
           <a:p>
             <a:r>
-              <a:rPr lang="en-US" altLang="ko-KR" sz="1800" dirty="0" err="1">
+              <a:rPr lang="en-US" altLang="ko-KR" sz="1800" dirty="0">
                 <a:latin typeface="Courier New" pitchFamily="49" charset="0"/>
                 <a:cs typeface="Courier New" pitchFamily="49" charset="0"/>
               </a:rPr>
@@ -6436,7 +6436,7 @@
             </a:r>
             <a:r>
               <a:rPr lang="en-US" altLang="ko-KR" sz="1800" dirty="0"/>
-              <a:t>system call. </a:t>
+              <a:t>system call</a:t>
             </a:r>
           </a:p>
           <a:p>
@@ -8434,7 +8434,15 @@
             </a:r>
             <a:r>
               <a:rPr lang="en-US" altLang="ko-KR" dirty="0"/>
-              <a:t>), page-table</a:t>
+              <a:t>), page</a:t>
+            </a:r>
+            <a:r>
+              <a:rPr lang="zh-CN" altLang="en-US" dirty="0"/>
+              <a:t> </a:t>
+            </a:r>
+            <a:r>
+              <a:rPr lang="en-US" altLang="ko-KR" dirty="0"/>
+              <a:t>table</a:t>
             </a:r>
           </a:p>
           <a:p>
@@ -9257,7 +9265,15 @@
           <a:p>
             <a:r>
               <a:rPr lang="en-US" altLang="ko-KR" dirty="0"/>
-              <a:t>Example: Address Translation(Cont.)</a:t>
+              <a:t>Example: Address Translation</a:t>
+            </a:r>
+            <a:r>
+              <a:rPr lang="zh-CN" altLang="en-US" dirty="0"/>
+              <a:t> </a:t>
+            </a:r>
+            <a:r>
+              <a:rPr lang="en-US" altLang="ko-KR" dirty="0"/>
+              <a:t>(Cont.)</a:t>
             </a:r>
             <a:endParaRPr lang="ko-KR" altLang="en-US" dirty="0"/>
           </a:p>
@@ -9309,7 +9325,15 @@
             </a:r>
             <a:r>
               <a:rPr lang="en-US" altLang="ko-KR" dirty="0"/>
-              <a:t> has been place in </a:t>
+              <a:t> has been place</a:t>
+            </a:r>
+            <a:r>
+              <a:rPr lang="en-US" altLang="zh-CN" dirty="0"/>
+              <a:t>d</a:t>
+            </a:r>
+            <a:r>
+              <a:rPr lang="en-US" altLang="ko-KR" dirty="0"/>
+              <a:t> in </a:t>
             </a:r>
             <a:r>
               <a:rPr lang="en-US" altLang="ko-KR" dirty="0" err="1">
@@ -9320,7 +9344,7 @@
             </a:r>
             <a:r>
               <a:rPr lang="en-US" altLang="ko-KR" dirty="0"/>
-              <a:t> register.</a:t>
+              <a:t> register</a:t>
             </a:r>
           </a:p>
           <a:p>
@@ -9340,10 +9364,7 @@
               </a:rPr>
               <a:t>eax</a:t>
             </a:r>
-            <a:r>
-              <a:rPr lang="en-US" altLang="ko-KR" dirty="0"/>
-              <a:t> register.</a:t>
-            </a:r>
+            <a:endParaRPr lang="en-US" altLang="ko-KR" dirty="0"/>
           </a:p>
           <a:p>
             <a:pPr lvl="1"/>
@@ -9362,19 +9383,9 @@
               </a:rPr>
               <a:t>eax</a:t>
             </a:r>
-            <a:r>
-              <a:rPr lang="en-US" altLang="ko-KR" dirty="0">
-                <a:latin typeface="Courier New" pitchFamily="49" charset="0"/>
-                <a:cs typeface="Courier New" pitchFamily="49" charset="0"/>
-              </a:rPr>
-              <a:t> </a:t>
-            </a:r>
-            <a:r>
-              <a:rPr lang="en-US" altLang="ko-KR" dirty="0">
-                <a:cs typeface="Courier New" pitchFamily="49" charset="0"/>
-              </a:rPr>
-              <a:t>register.</a:t>
-            </a:r>
+            <a:endParaRPr lang="en-US" altLang="ko-KR" dirty="0">
+              <a:cs typeface="Courier New" pitchFamily="49" charset="0"/>
+            </a:endParaRPr>
           </a:p>
           <a:p>
             <a:pPr lvl="1"/>
@@ -9401,7 +9412,7 @@
               <a:rPr lang="en-US" altLang="ko-KR" dirty="0">
                 <a:cs typeface="Courier New" pitchFamily="49" charset="0"/>
               </a:rPr>
-              <a:t> back into memory.</a:t>
+              <a:t> back into memory</a:t>
             </a:r>
           </a:p>
           <a:p>
@@ -11086,7 +11097,31 @@
           <a:p>
             <a:r>
               <a:rPr lang="en-US" altLang="ko-KR" dirty="0"/>
-              <a:t>Dynamic Relocation (Hardware base): Base and Bound</a:t>
+              <a:t>Dynamic Relocation (Hardware base</a:t>
+            </a:r>
+            <a:r>
+              <a:rPr lang="en-US" altLang="zh-CN" dirty="0"/>
+              <a:t>d</a:t>
+            </a:r>
+            <a:r>
+              <a:rPr lang="en-US" altLang="ko-KR" dirty="0"/>
+              <a:t>): Base</a:t>
+            </a:r>
+            <a:r>
+              <a:rPr lang="en-US" altLang="zh-CN" dirty="0"/>
+              <a:t>-</a:t>
+            </a:r>
+            <a:r>
+              <a:rPr lang="en-US" altLang="ko-KR" dirty="0"/>
+              <a:t>and</a:t>
+            </a:r>
+            <a:r>
+              <a:rPr lang="en-US" altLang="zh-CN" dirty="0"/>
+              <a:t>-</a:t>
+            </a:r>
+            <a:r>
+              <a:rPr lang="en-US" altLang="ko-KR" dirty="0"/>
+              <a:t>Bound</a:t>
             </a:r>
             <a:r>
               <a:rPr lang="en-US" altLang="zh-CN" dirty="0"/>
@@ -14824,39 +14859,7 @@
                 <a:ea typeface="Malgun Gothic" panose="020B0503020000020004" pitchFamily="34" charset="-127"/>
                 <a:cs typeface="Courier New" charset="0"/>
               </a:rPr>
-              <a:t>Base</a:t>
-            </a:r>
-            <a:r>
-              <a:rPr lang="zh-CN" altLang="en-US" dirty="0">
-                <a:latin typeface="Malgun Gothic" panose="020B0503020000020004" pitchFamily="34" charset="-127"/>
-                <a:ea typeface="Malgun Gothic" panose="020B0503020000020004" pitchFamily="34" charset="-127"/>
-                <a:cs typeface="Courier New" charset="0"/>
-              </a:rPr>
-              <a:t> </a:t>
-            </a:r>
-            <a:r>
-              <a:rPr lang="en-US" altLang="zh-CN" dirty="0">
-                <a:latin typeface="Malgun Gothic" panose="020B0503020000020004" pitchFamily="34" charset="-127"/>
-                <a:ea typeface="Malgun Gothic" panose="020B0503020000020004" pitchFamily="34" charset="-127"/>
-                <a:cs typeface="Courier New" charset="0"/>
-              </a:rPr>
-              <a:t>and</a:t>
-            </a:r>
-            <a:r>
-              <a:rPr lang="zh-CN" altLang="en-US" dirty="0">
-                <a:latin typeface="Malgun Gothic" panose="020B0503020000020004" pitchFamily="34" charset="-127"/>
-                <a:ea typeface="Malgun Gothic" panose="020B0503020000020004" pitchFamily="34" charset="-127"/>
-                <a:cs typeface="Courier New" charset="0"/>
-              </a:rPr>
-              <a:t> </a:t>
-            </a:r>
-            <a:r>
-              <a:rPr lang="en-US" altLang="zh-CN" dirty="0">
-                <a:latin typeface="Malgun Gothic" panose="020B0503020000020004" pitchFamily="34" charset="-127"/>
-                <a:ea typeface="Malgun Gothic" panose="020B0503020000020004" pitchFamily="34" charset="-127"/>
-                <a:cs typeface="Courier New" charset="0"/>
-              </a:rPr>
-              <a:t>bound</a:t>
+              <a:t>Base-and-bounds</a:t>
             </a:r>
           </a:p>
           <a:p>
@@ -15050,10 +15053,7 @@
               <a:rPr lang="en-US" altLang="ko-KR" b="1" dirty="0"/>
               <a:t>loaded</a:t>
             </a:r>
-            <a:r>
-              <a:rPr lang="en-US" altLang="ko-KR" dirty="0"/>
-              <a:t>.</a:t>
-            </a:r>
+            <a:endParaRPr lang="en-US" altLang="ko-KR" dirty="0"/>
           </a:p>
           <a:p>
             <a:pPr lvl="1"/>
@@ -15413,8 +15413,8 @@
           </p:sp>
         </mc:Fallback>
       </mc:AlternateContent>
-      <mc:AlternateContent xmlns:mc="http://schemas.openxmlformats.org/markup-compatibility/2006">
-        <mc:Choice xmlns:a14="http://schemas.microsoft.com/office/drawing/2010/main" Requires="a14">
+      <mc:AlternateContent xmlns:mc="http://schemas.openxmlformats.org/markup-compatibility/2006" xmlns:a14="http://schemas.microsoft.com/office/drawing/2010/main">
+        <mc:Choice Requires="a14">
           <p:sp>
             <p:nvSpPr>
               <p:cNvPr id="7" name="모서리가 둥근 직사각형 6"/>
@@ -15551,7 +15551,7 @@
             </p:txBody>
           </p:sp>
         </mc:Choice>
-        <mc:Fallback>
+        <mc:Fallback xmlns="">
           <p:sp>
             <p:nvSpPr>
               <p:cNvPr id="7" name="모서리가 둥근 직사각형 6"/>
@@ -17560,7 +17560,15 @@
           <a:p>
             <a:r>
               <a:rPr lang="en-US" altLang="ko-KR" dirty="0"/>
-              <a:t>Two ways of Bounds Register</a:t>
+              <a:t>Two </a:t>
+            </a:r>
+            <a:r>
+              <a:rPr lang="en-US" altLang="zh-CN" dirty="0"/>
+              <a:t>W</a:t>
+            </a:r>
+            <a:r>
+              <a:rPr lang="en-US" altLang="ko-KR" dirty="0"/>
+              <a:t>ays of Bounds Register</a:t>
             </a:r>
             <a:endParaRPr lang="ko-KR" altLang="en-US" dirty="0"/>
           </a:p>
@@ -20400,7 +20408,7 @@
             </a:r>
             <a:r>
               <a:rPr lang="en-US" altLang="ko-KR" dirty="0"/>
-              <a:t> for a new address space.</a:t>
+              <a:t> for a new address space</a:t>
             </a:r>
           </a:p>
           <a:p>
@@ -23515,10 +23523,10 @@
           <a:lstStyle/>
           <a:p>
             <a:r>
-              <a:rPr lang="en-US" altLang="ko-KR" sz="2000" dirty="0"/>
+              <a:rPr lang="en-US" altLang="ko-KR" dirty="0"/>
               <a:t>OS Issues: When Context Switch Occurs</a:t>
             </a:r>
-            <a:endParaRPr lang="ko-KR" altLang="en-US" sz="2000" dirty="0"/>
+            <a:endParaRPr lang="ko-KR" altLang="en-US" dirty="0"/>
           </a:p>
         </p:txBody>
       </p:sp>
@@ -25697,14 +25705,30 @@
           <a:lstStyle/>
           <a:p>
             <a:r>
-              <a:rPr lang="en-US" altLang="ko-KR" sz="2000" dirty="0"/>
-              <a:t>Inefficiency of Base and Bound</a:t>
-            </a:r>
-            <a:r>
-              <a:rPr lang="en-US" altLang="zh-CN" sz="2000" dirty="0"/>
+              <a:rPr lang="en-US" altLang="ko-KR" dirty="0"/>
+              <a:t>Inefficiency of Base</a:t>
+            </a:r>
+            <a:r>
+              <a:rPr lang="en-US" altLang="zh-CN" dirty="0"/>
+              <a:t>-</a:t>
+            </a:r>
+            <a:r>
+              <a:rPr lang="en-US" altLang="ko-KR" dirty="0"/>
+              <a:t>and</a:t>
+            </a:r>
+            <a:r>
+              <a:rPr lang="en-US" altLang="zh-CN" dirty="0"/>
+              <a:t>-</a:t>
+            </a:r>
+            <a:r>
+              <a:rPr lang="en-US" altLang="ko-KR" dirty="0"/>
+              <a:t>Bound</a:t>
+            </a:r>
+            <a:r>
+              <a:rPr lang="en-US" altLang="zh-CN" dirty="0"/>
               <a:t>s</a:t>
             </a:r>
-            <a:endParaRPr lang="ko-KR" altLang="en-US" sz="2000" dirty="0"/>
+            <a:endParaRPr lang="ko-KR" altLang="en-US" dirty="0"/>
           </a:p>
         </p:txBody>
       </p:sp>
@@ -30236,10 +30260,10 @@
           <a:lstStyle/>
           <a:p>
             <a:r>
-              <a:rPr lang="en-US" altLang="ko-KR" sz="2000" dirty="0"/>
+              <a:rPr lang="en-US" altLang="ko-KR" dirty="0"/>
               <a:t>Address Translation on Segmentation: heap</a:t>
             </a:r>
-            <a:endParaRPr lang="ko-KR" altLang="en-US" sz="2000" dirty="0"/>
+            <a:endParaRPr lang="ko-KR" altLang="en-US" dirty="0"/>
           </a:p>
         </p:txBody>
       </p:sp>
@@ -32024,8 +32048,8 @@
           </a:p>
         </p:txBody>
       </p:sp>
-      <mc:AlternateContent xmlns:mc="http://schemas.openxmlformats.org/markup-compatibility/2006">
-        <mc:Choice xmlns:a14="http://schemas.microsoft.com/office/drawing/2010/main" Requires="a14">
+      <mc:AlternateContent xmlns:mc="http://schemas.openxmlformats.org/markup-compatibility/2006" xmlns:a14="http://schemas.microsoft.com/office/drawing/2010/main">
+        <mc:Choice Requires="a14">
           <p:sp>
             <p:nvSpPr>
               <p:cNvPr id="69" name="모서리가 둥근 직사각형 68"/>
@@ -32277,7 +32301,7 @@
             </p:txBody>
           </p:sp>
         </mc:Choice>
-        <mc:Fallback>
+        <mc:Fallback xmlns="">
           <p:sp>
             <p:nvSpPr>
               <p:cNvPr id="69" name="모서리가 둥근 직사각형 68"/>
@@ -38123,7 +38147,15 @@
           <a:p>
             <a:r>
               <a:rPr lang="en-US" altLang="ko-KR" dirty="0"/>
-              <a:t>Segment selection</a:t>
+              <a:t>Segment </a:t>
+            </a:r>
+            <a:r>
+              <a:rPr lang="en-US" altLang="zh-CN" dirty="0"/>
+              <a:t>S</a:t>
+            </a:r>
+            <a:r>
+              <a:rPr lang="en-US" altLang="ko-KR" dirty="0"/>
+              <a:t>election</a:t>
             </a:r>
             <a:endParaRPr lang="ko-KR" altLang="en-US" dirty="0"/>
           </a:p>
@@ -40078,7 +40110,15 @@
           <a:p>
             <a:r>
               <a:rPr lang="en-US" altLang="ko-KR" dirty="0"/>
-              <a:t>OS support: Fragmentation</a:t>
+              <a:t>OS </a:t>
+            </a:r>
+            <a:r>
+              <a:rPr lang="en-US" altLang="zh-CN" dirty="0"/>
+              <a:t>S</a:t>
+            </a:r>
+            <a:r>
+              <a:rPr lang="en-US" altLang="ko-KR" dirty="0"/>
+              <a:t>upport: Fragmentation</a:t>
             </a:r>
             <a:endParaRPr lang="ko-KR" altLang="en-US" dirty="0"/>
           </a:p>
